--- a/Share/每周命题游戏设计/沈永良/森林关卡1.pptx
+++ b/Share/每周命题游戏设计/沈永良/森林关卡1.pptx
@@ -5136,6 +5136,86 @@
           </a:prstGeom>
         </p:spPr>
       </p:pic>
+      <p:sp>
+        <p:nvSpPr>
+          <p:cNvPr id="2" name="文本框 1"/>
+          <p:cNvSpPr txBox="1"/>
+          <p:nvPr/>
+        </p:nvSpPr>
+        <p:spPr>
+          <a:xfrm>
+            <a:off x="457200" y="1417955"/>
+            <a:ext cx="3769360" cy="1445260"/>
+          </a:xfrm>
+          <a:prstGeom prst="rect">
+            <a:avLst/>
+          </a:prstGeom>
+          <a:noFill/>
+        </p:spPr>
+        <p:txBody>
+          <a:bodyPr wrap="square" rtlCol="0">
+            <a:spAutoFit/>
+          </a:bodyPr>
+          <a:p>
+            <a:r>
+              <a:rPr lang="zh-CN" altLang="en-US" sz="800"/>
+              <a:t>关卡说明：</a:t>
+            </a:r>
+            <a:endParaRPr lang="zh-CN" altLang="en-US" sz="800"/>
+          </a:p>
+          <a:p>
+            <a:endParaRPr lang="zh-CN" altLang="en-US" sz="800"/>
+          </a:p>
+          <a:p>
+            <a:r>
+              <a:rPr lang="en-US" altLang="zh-CN" sz="800"/>
+              <a:t>1.</a:t>
+            </a:r>
+            <a:r>
+              <a:rPr lang="zh-CN" altLang="en-US" sz="800"/>
+              <a:t>森林世界：恶龙带着妹妹越飞越远，道格穷追不舍，无奈地势险峻，多处无法跳跃的鸿沟，道格使出鞭子冒险一试。</a:t>
+            </a:r>
+            <a:endParaRPr lang="zh-CN" altLang="en-US" sz="800"/>
+          </a:p>
+          <a:p>
+            <a:endParaRPr lang="en-US" altLang="zh-CN" sz="800"/>
+          </a:p>
+          <a:p>
+            <a:r>
+              <a:rPr lang="en-US" altLang="zh-CN" sz="800"/>
+              <a:t>2.</a:t>
+            </a:r>
+            <a:r>
+              <a:rPr lang="zh-CN" altLang="en-US" sz="800"/>
+              <a:t>技能使用引导：飘荡（滞空时挥动鞭子，勾住指定物品，可飘荡）</a:t>
+            </a:r>
+            <a:endParaRPr lang="zh-CN" altLang="en-US" sz="800"/>
+          </a:p>
+          <a:p>
+            <a:endParaRPr lang="zh-CN" altLang="en-US" sz="800"/>
+          </a:p>
+          <a:p>
+            <a:r>
+              <a:rPr lang="zh-CN" altLang="en-US" sz="800"/>
+              <a:t>怪物：</a:t>
+            </a:r>
+            <a:endParaRPr lang="zh-CN" altLang="en-US" sz="800"/>
+          </a:p>
+          <a:p>
+            <a:endParaRPr lang="zh-CN" altLang="en-US" sz="800"/>
+          </a:p>
+          <a:p>
+            <a:endParaRPr lang="zh-CN" altLang="en-US" sz="800"/>
+          </a:p>
+          <a:p>
+            <a:r>
+              <a:rPr lang="zh-CN" altLang="en-US" sz="800"/>
+              <a:t>                            </a:t>
+            </a:r>
+            <a:endParaRPr lang="zh-CN" altLang="en-US" sz="800"/>
+          </a:p>
+        </p:txBody>
+      </p:sp>
     </p:spTree>
   </p:cSld>
   <p:clrMapOvr>
